--- a/ReactJS/lesson_25/Presentation/Flux.pptx
+++ b/ReactJS/lesson_25/Presentation/Flux.pptx
@@ -5,7 +5,7 @@
     <p:sldMasterId id="2147483662" r:id="rId1"/>
   </p:sldMasterIdLst>
   <p:sldIdLst>
-    <p:sldId id="257" r:id="rId2"/>
+    <p:sldId id="264" r:id="rId2"/>
     <p:sldId id="258" r:id="rId3"/>
     <p:sldId id="259" r:id="rId4"/>
     <p:sldId id="260" r:id="rId5"/>
@@ -620,7 +620,7 @@
     </p:spTree>
     <p:extLst>
       <p:ext uri="{BB962C8B-B14F-4D97-AF65-F5344CB8AC3E}">
-        <p14:creationId xmlns="" xmlns:p14="http://schemas.microsoft.com/office/powerpoint/2010/main" val="3537187278"/>
+        <p14:creationId xmlns:p14="http://schemas.microsoft.com/office/powerpoint/2010/main" xmlns="" val="3537187278"/>
       </p:ext>
     </p:extLst>
   </p:cSld>
@@ -666,7 +666,7 @@
           <a:blip r:embed="rId2" cstate="print">
             <a:extLst>
               <a:ext uri="{28A0092B-C50C-407E-A947-70E740481C1C}">
-                <a14:useLocalDpi xmlns="" xmlns:a14="http://schemas.microsoft.com/office/drawing/2010/main" val="0"/>
+                <a14:useLocalDpi xmlns:a14="http://schemas.microsoft.com/office/drawing/2010/main" xmlns="" val="0"/>
               </a:ext>
             </a:extLst>
           </a:blip>
@@ -690,14 +690,14 @@
           <a:effectLst/>
           <a:extLst>
             <a:ext uri="{909E8E84-426E-40DD-AFC4-6F175D3DCCD1}">
-              <a14:hiddenFill xmlns="" xmlns:a14="http://schemas.microsoft.com/office/drawing/2010/main">
+              <a14:hiddenFill xmlns:a14="http://schemas.microsoft.com/office/drawing/2010/main" xmlns="">
                 <a:solidFill>
                   <a:schemeClr val="accent1"/>
                 </a:solidFill>
               </a14:hiddenFill>
             </a:ext>
             <a:ext uri="{91240B29-F687-4F45-9708-019B960494DF}">
-              <a14:hiddenLine xmlns="" xmlns:a14="http://schemas.microsoft.com/office/drawing/2010/main" w="9525">
+              <a14:hiddenLine xmlns:a14="http://schemas.microsoft.com/office/drawing/2010/main" xmlns="" w="9525">
                 <a:solidFill>
                   <a:schemeClr val="tx1"/>
                 </a:solidFill>
@@ -707,7 +707,7 @@
               </a14:hiddenLine>
             </a:ext>
             <a:ext uri="{AF507438-7753-43E0-B8FC-AC1667EBCBE1}">
-              <a14:hiddenEffects xmlns="" xmlns:a14="http://schemas.microsoft.com/office/drawing/2010/main">
+              <a14:hiddenEffects xmlns:a14="http://schemas.microsoft.com/office/drawing/2010/main" xmlns="">
                 <a:effectLst>
                   <a:outerShdw dist="35921" dir="2700000" algn="ctr" rotWithShape="0">
                     <a:schemeClr val="bg2"/>
@@ -848,7 +848,7 @@
     </p:spTree>
     <p:extLst>
       <p:ext uri="{BB962C8B-B14F-4D97-AF65-F5344CB8AC3E}">
-        <p14:creationId xmlns="" xmlns:p14="http://schemas.microsoft.com/office/powerpoint/2010/main" val="2097366919"/>
+        <p14:creationId xmlns:p14="http://schemas.microsoft.com/office/powerpoint/2010/main" xmlns="" val="2097366919"/>
       </p:ext>
     </p:extLst>
   </p:cSld>
@@ -1370,7 +1370,7 @@
     </p:spTree>
     <p:extLst>
       <p:ext uri="{BB962C8B-B14F-4D97-AF65-F5344CB8AC3E}">
-        <p14:creationId xmlns="" xmlns:p14="http://schemas.microsoft.com/office/powerpoint/2010/main" val="3537187278"/>
+        <p14:creationId xmlns:p14="http://schemas.microsoft.com/office/powerpoint/2010/main" xmlns="" val="3537187278"/>
       </p:ext>
     </p:extLst>
   </p:cSld>
@@ -1438,7 +1438,7 @@
     </p:spTree>
     <p:extLst>
       <p:ext uri="{BB962C8B-B14F-4D97-AF65-F5344CB8AC3E}">
-        <p14:creationId xmlns="" xmlns:p14="http://schemas.microsoft.com/office/powerpoint/2010/main" val="779007194"/>
+        <p14:creationId xmlns:p14="http://schemas.microsoft.com/office/powerpoint/2010/main" xmlns="" val="779007194"/>
       </p:ext>
     </p:extLst>
   </p:cSld>
@@ -1794,7 +1794,7 @@
           <a:lstStyle/>
           <a:p>
             <a:r>
-              <a:rPr lang="en-US" sz="2700" dirty="0" smtClean="0">
+              <a:rPr lang="en-US" sz="2700" dirty="0">
                 <a:solidFill>
                   <a:schemeClr val="bg1"/>
                 </a:solidFill>
@@ -1802,18 +1802,7 @@
                 <a:ea typeface="Roboto Thin" panose="02000000000000000000" pitchFamily="2" charset="0"/>
                 <a:cs typeface="Roboto Thin" panose="02000000000000000000" pitchFamily="2" charset="0"/>
               </a:rPr>
-              <a:t>React </a:t>
-            </a:r>
-            <a:r>
-              <a:rPr lang="en-US" sz="2700" dirty="0" smtClean="0">
-                <a:solidFill>
-                  <a:schemeClr val="bg1"/>
-                </a:solidFill>
-                <a:latin typeface="Roboto Thin" panose="02000000000000000000" pitchFamily="2" charset="0"/>
-                <a:ea typeface="Roboto Thin" panose="02000000000000000000" pitchFamily="2" charset="0"/>
-                <a:cs typeface="Roboto Thin" panose="02000000000000000000" pitchFamily="2" charset="0"/>
-              </a:rPr>
-              <a:t>JS</a:t>
+              <a:t>React JS</a:t>
             </a:r>
             <a:endParaRPr lang="en-US" dirty="0">
               <a:solidFill>
@@ -1828,214 +1817,51 @@
       </p:sp>
       <p:sp>
         <p:nvSpPr>
-          <p:cNvPr id="6" name="Subtitle 2"/>
-          <p:cNvSpPr txBox="1">
-            <a:spLocks/>
-          </p:cNvSpPr>
+          <p:cNvPr id="5" name="TextBox 4"/>
+          <p:cNvSpPr txBox="1"/>
           <p:nvPr/>
         </p:nvSpPr>
         <p:spPr>
           <a:xfrm>
-            <a:off x="806449" y="1281006"/>
-            <a:ext cx="6322695" cy="507831"/>
+            <a:off x="976312" y="4217802"/>
+            <a:ext cx="7340103" cy="830997"/>
           </a:xfrm>
           <a:prstGeom prst="rect">
             <a:avLst/>
           </a:prstGeom>
-        </p:spPr>
-        <p:txBody>
-          <a:bodyPr wrap="square">
+          <a:noFill/>
+        </p:spPr>
+        <p:txBody>
+          <a:bodyPr wrap="square" rtlCol="0">
             <a:spAutoFit/>
           </a:bodyPr>
-          <a:lstStyle>
-            <a:lvl1pPr marL="0" indent="0" algn="l" defTabSz="914400" rtl="0" eaLnBrk="1" latinLnBrk="0" hangingPunct="1">
-              <a:spcBef>
-                <a:spcPct val="20000"/>
-              </a:spcBef>
-              <a:buFont typeface="Arial" pitchFamily="34" charset="0"/>
-              <a:buNone/>
-              <a:defRPr sz="3200" kern="1200">
+          <a:lstStyle/>
+          <a:p>
+            <a:r>
+              <a:rPr lang="en-US" sz="4800" dirty="0" smtClean="0">
                 <a:solidFill>
-                  <a:schemeClr val="tx1">
-                    <a:tint val="75000"/>
-                  </a:schemeClr>
+                  <a:srgbClr val="7564BC"/>
                 </a:solidFill>
-                <a:latin typeface="+mj-lt"/>
-                <a:ea typeface="+mn-ea"/>
-                <a:cs typeface="+mn-cs"/>
-              </a:defRPr>
-            </a:lvl1pPr>
-            <a:lvl2pPr marL="457200" indent="0" algn="ctr" defTabSz="914400" rtl="0" eaLnBrk="1" latinLnBrk="0" hangingPunct="1">
-              <a:spcBef>
-                <a:spcPct val="20000"/>
-              </a:spcBef>
-              <a:buFont typeface="Arial" pitchFamily="34" charset="0"/>
-              <a:buNone/>
-              <a:defRPr sz="2800" kern="1200">
-                <a:solidFill>
-                  <a:schemeClr val="tx1">
-                    <a:tint val="75000"/>
-                  </a:schemeClr>
-                </a:solidFill>
-                <a:latin typeface="+mn-lt"/>
-                <a:ea typeface="+mn-ea"/>
-                <a:cs typeface="+mn-cs"/>
-              </a:defRPr>
-            </a:lvl2pPr>
-            <a:lvl3pPr marL="914400" indent="0" algn="ctr" defTabSz="914400" rtl="0" eaLnBrk="1" latinLnBrk="0" hangingPunct="1">
-              <a:spcBef>
-                <a:spcPct val="20000"/>
-              </a:spcBef>
-              <a:buFont typeface="Arial" pitchFamily="34" charset="0"/>
-              <a:buNone/>
-              <a:defRPr sz="2400" kern="1200">
-                <a:solidFill>
-                  <a:schemeClr val="tx1">
-                    <a:tint val="75000"/>
-                  </a:schemeClr>
-                </a:solidFill>
-                <a:latin typeface="+mn-lt"/>
-                <a:ea typeface="+mn-ea"/>
-                <a:cs typeface="+mn-cs"/>
-              </a:defRPr>
-            </a:lvl3pPr>
-            <a:lvl4pPr marL="1371600" indent="0" algn="ctr" defTabSz="914400" rtl="0" eaLnBrk="1" latinLnBrk="0" hangingPunct="1">
-              <a:spcBef>
-                <a:spcPct val="20000"/>
-              </a:spcBef>
-              <a:buFont typeface="Arial" pitchFamily="34" charset="0"/>
-              <a:buNone/>
-              <a:defRPr sz="2000" kern="1200">
-                <a:solidFill>
-                  <a:schemeClr val="tx1">
-                    <a:tint val="75000"/>
-                  </a:schemeClr>
-                </a:solidFill>
-                <a:latin typeface="+mn-lt"/>
-                <a:ea typeface="+mn-ea"/>
-                <a:cs typeface="+mn-cs"/>
-              </a:defRPr>
-            </a:lvl4pPr>
-            <a:lvl5pPr marL="1828800" indent="0" algn="ctr" defTabSz="914400" rtl="0" eaLnBrk="1" latinLnBrk="0" hangingPunct="1">
-              <a:spcBef>
-                <a:spcPct val="20000"/>
-              </a:spcBef>
-              <a:buFont typeface="Arial" pitchFamily="34" charset="0"/>
-              <a:buNone/>
-              <a:defRPr sz="2000" kern="1200">
-                <a:solidFill>
-                  <a:schemeClr val="tx1">
-                    <a:tint val="75000"/>
-                  </a:schemeClr>
-                </a:solidFill>
-                <a:latin typeface="+mn-lt"/>
-                <a:ea typeface="+mn-ea"/>
-                <a:cs typeface="+mn-cs"/>
-              </a:defRPr>
-            </a:lvl5pPr>
-            <a:lvl6pPr marL="2286000" indent="0" algn="ctr" defTabSz="914400" rtl="0" eaLnBrk="1" latinLnBrk="0" hangingPunct="1">
-              <a:spcBef>
-                <a:spcPct val="20000"/>
-              </a:spcBef>
-              <a:buFont typeface="Arial" pitchFamily="34" charset="0"/>
-              <a:buNone/>
-              <a:defRPr sz="2000" kern="1200">
-                <a:solidFill>
-                  <a:schemeClr val="tx1">
-                    <a:tint val="75000"/>
-                  </a:schemeClr>
-                </a:solidFill>
-                <a:latin typeface="+mn-lt"/>
-                <a:ea typeface="+mn-ea"/>
-                <a:cs typeface="+mn-cs"/>
-              </a:defRPr>
-            </a:lvl6pPr>
-            <a:lvl7pPr marL="2743200" indent="0" algn="ctr" defTabSz="914400" rtl="0" eaLnBrk="1" latinLnBrk="0" hangingPunct="1">
-              <a:spcBef>
-                <a:spcPct val="20000"/>
-              </a:spcBef>
-              <a:buFont typeface="Arial" pitchFamily="34" charset="0"/>
-              <a:buNone/>
-              <a:defRPr sz="2000" kern="1200">
-                <a:solidFill>
-                  <a:schemeClr val="tx1">
-                    <a:tint val="75000"/>
-                  </a:schemeClr>
-                </a:solidFill>
-                <a:latin typeface="+mn-lt"/>
-                <a:ea typeface="+mn-ea"/>
-                <a:cs typeface="+mn-cs"/>
-              </a:defRPr>
-            </a:lvl7pPr>
-            <a:lvl8pPr marL="3200400" indent="0" algn="ctr" defTabSz="914400" rtl="0" eaLnBrk="1" latinLnBrk="0" hangingPunct="1">
-              <a:spcBef>
-                <a:spcPct val="20000"/>
-              </a:spcBef>
-              <a:buFont typeface="Arial" pitchFamily="34" charset="0"/>
-              <a:buNone/>
-              <a:defRPr sz="2000" kern="1200">
-                <a:solidFill>
-                  <a:schemeClr val="tx1">
-                    <a:tint val="75000"/>
-                  </a:schemeClr>
-                </a:solidFill>
-                <a:latin typeface="+mn-lt"/>
-                <a:ea typeface="+mn-ea"/>
-                <a:cs typeface="+mn-cs"/>
-              </a:defRPr>
-            </a:lvl8pPr>
-            <a:lvl9pPr marL="3657600" indent="0" algn="ctr" defTabSz="914400" rtl="0" eaLnBrk="1" latinLnBrk="0" hangingPunct="1">
-              <a:spcBef>
-                <a:spcPct val="20000"/>
-              </a:spcBef>
-              <a:buFont typeface="Arial" pitchFamily="34" charset="0"/>
-              <a:buNone/>
-              <a:defRPr sz="2000" kern="1200">
-                <a:solidFill>
-                  <a:schemeClr val="tx1">
-                    <a:tint val="75000"/>
-                  </a:schemeClr>
-                </a:solidFill>
-                <a:latin typeface="+mn-lt"/>
-                <a:ea typeface="+mn-ea"/>
-                <a:cs typeface="+mn-cs"/>
-              </a:defRPr>
-            </a:lvl9pPr>
-          </a:lstStyle>
-          <a:p>
-            <a:r>
-              <a:rPr lang="en-US" sz="2700" dirty="0">
-                <a:solidFill>
-                  <a:schemeClr val="tx1">
-                    <a:lumMod val="90000"/>
-                    <a:lumOff val="10000"/>
-                  </a:schemeClr>
-                </a:solidFill>
-                <a:latin typeface="Roboto Light" panose="02000000000000000000" pitchFamily="2" charset="0"/>
-                <a:ea typeface="Roboto Light" panose="02000000000000000000" pitchFamily="2" charset="0"/>
-                <a:cs typeface="Roboto Light" panose="02000000000000000000" pitchFamily="2" charset="0"/>
-              </a:rPr>
-              <a:t>The JavaScript Programming Language</a:t>
-            </a:r>
+                <a:latin typeface="Calibri" panose="020F0502020204030204" pitchFamily="34" charset="0"/>
+              </a:rPr>
+              <a:t>Flux</a:t>
+            </a:r>
+            <a:endParaRPr lang="en-US" sz="4800" dirty="0">
+              <a:latin typeface="Calibri" panose="020F0502020204030204" pitchFamily="34" charset="0"/>
+            </a:endParaRPr>
           </a:p>
         </p:txBody>
       </p:sp>
       <p:pic>
         <p:nvPicPr>
-          <p:cNvPr id="1028" name="Picture 4" descr="C:\Users\Darick\Desktop\Mmww2.png"/>
+          <p:cNvPr id="8" name="Picture 7" descr="http://moduscreate.com/wp-content/uploads/2014/03/react-opti.png"/>
           <p:cNvPicPr>
             <a:picLocks noChangeAspect="1" noChangeArrowheads="1"/>
           </p:cNvPicPr>
           <p:nvPr/>
         </p:nvPicPr>
         <p:blipFill>
-          <a:blip r:embed="rId2" cstate="print">
-            <a:extLst>
-              <a:ext uri="{28A0092B-C50C-407E-A947-70E740481C1C}">
-                <a14:useLocalDpi xmlns="" xmlns:a14="http://schemas.microsoft.com/office/drawing/2010/main" val="0"/>
-              </a:ext>
-            </a:extLst>
-          </a:blip>
+          <a:blip r:embed="rId2" cstate="print"/>
           <a:srcRect/>
           <a:stretch>
             <a:fillRect/>
@@ -2043,62 +1869,19 @@
         </p:blipFill>
         <p:spPr bwMode="auto">
           <a:xfrm>
-            <a:off x="1" y="698501"/>
-            <a:ext cx="809625" cy="1079500"/>
+            <a:off x="976312" y="1556792"/>
+            <a:ext cx="3613398" cy="1005729"/>
           </a:xfrm>
           <a:prstGeom prst="rect">
             <a:avLst/>
           </a:prstGeom>
           <a:noFill/>
-          <a:extLst>
-            <a:ext uri="{909E8E84-426E-40DD-AFC4-6F175D3DCCD1}">
-              <a14:hiddenFill xmlns="" xmlns:a14="http://schemas.microsoft.com/office/drawing/2010/main">
-                <a:solidFill>
-                  <a:srgbClr val="FFFFFF"/>
-                </a:solidFill>
-              </a14:hiddenFill>
-            </a:ext>
-          </a:extLst>
         </p:spPr>
       </p:pic>
-      <p:sp>
-        <p:nvSpPr>
-          <p:cNvPr id="5" name="TextBox 4"/>
-          <p:cNvSpPr txBox="1"/>
-          <p:nvPr/>
-        </p:nvSpPr>
-        <p:spPr>
-          <a:xfrm>
-            <a:off x="976312" y="4217802"/>
-            <a:ext cx="7340103" cy="769441"/>
-          </a:xfrm>
-          <a:prstGeom prst="rect">
-            <a:avLst/>
-          </a:prstGeom>
-          <a:noFill/>
-        </p:spPr>
-        <p:txBody>
-          <a:bodyPr wrap="square" rtlCol="0">
-            <a:spAutoFit/>
-          </a:bodyPr>
-          <a:lstStyle/>
-          <a:p>
-            <a:r>
-              <a:rPr lang="en-US" sz="4400" dirty="0" smtClean="0">
-                <a:solidFill>
-                  <a:srgbClr val="7564BC"/>
-                </a:solidFill>
-              </a:rPr>
-              <a:t>Flux</a:t>
-            </a:r>
-            <a:endParaRPr lang="en-US" dirty="0"/>
-          </a:p>
-        </p:txBody>
-      </p:sp>
     </p:spTree>
     <p:extLst>
       <p:ext uri="{BB962C8B-B14F-4D97-AF65-F5344CB8AC3E}">
-        <p14:creationId xmlns="" xmlns:p14="http://schemas.microsoft.com/office/powerpoint/2010/main" val="3436223543"/>
+        <p14:creationId xmlns:p14="http://schemas.microsoft.com/office/powerpoint/2010/main" xmlns="" val="3436223543"/>
       </p:ext>
     </p:extLst>
   </p:cSld>

--- a/ReactJS/lesson_25/Presentation/Flux.pptx
+++ b/ReactJS/lesson_25/Presentation/Flux.pptx
@@ -7,8 +7,8 @@
   <p:sldIdLst>
     <p:sldId id="264" r:id="rId2"/>
     <p:sldId id="258" r:id="rId3"/>
-    <p:sldId id="259" r:id="rId4"/>
-    <p:sldId id="260" r:id="rId5"/>
+    <p:sldId id="260" r:id="rId4"/>
+    <p:sldId id="259" r:id="rId5"/>
     <p:sldId id="261" r:id="rId6"/>
     <p:sldId id="262" r:id="rId7"/>
     <p:sldId id="263" r:id="rId8"/>
@@ -110,6 +110,22 @@
       </a:defRPr>
     </a:lvl9pPr>
   </p:defaultTextStyle>
+  <p:extLst>
+    <p:ext uri="{EFAFB233-063F-42B5-8137-9DF3F51BA10A}">
+      <p15:sldGuideLst xmlns:p15="http://schemas.microsoft.com/office/powerpoint/2012/main">
+        <p15:guide id="1" orient="horz" pos="2160">
+          <p15:clr>
+            <a:srgbClr val="A4A3A4"/>
+          </p15:clr>
+        </p15:guide>
+        <p15:guide id="2" pos="2880">
+          <p15:clr>
+            <a:srgbClr val="A4A3A4"/>
+          </p15:clr>
+        </p15:guide>
+      </p15:sldGuideLst>
+    </p:ext>
+  </p:extLst>
 </p:presentation>
 </file>
 
@@ -168,10 +184,9 @@
           </a:lstStyle>
           <a:p>
             <a:r>
-              <a:rPr lang="en-US" dirty="0" smtClean="0"/>
+              <a:rPr lang="en-US" dirty="0"/>
               <a:t>title style</a:t>
             </a:r>
-            <a:endParaRPr lang="en-US" dirty="0"/>
           </a:p>
         </p:txBody>
       </p:sp>
@@ -291,7 +306,7 @@
           </a:lstStyle>
           <a:p>
             <a:r>
-              <a:rPr lang="ru-RU" smtClean="0"/>
+              <a:rPr lang="ru-RU"/>
               <a:t>Образец подзаголовка</a:t>
             </a:r>
             <a:endParaRPr lang="en-US" dirty="0"/>
@@ -620,20 +635,13 @@
     </p:spTree>
     <p:extLst>
       <p:ext uri="{BB962C8B-B14F-4D97-AF65-F5344CB8AC3E}">
-        <p14:creationId xmlns:p14="http://schemas.microsoft.com/office/powerpoint/2010/main" xmlns="" val="3537187278"/>
+        <p14:creationId xmlns:p14="http://schemas.microsoft.com/office/powerpoint/2010/main" val="3537187278"/>
       </p:ext>
     </p:extLst>
   </p:cSld>
   <p:clrMapOvr>
     <a:overrideClrMapping bg1="lt1" tx1="dk1" bg2="lt2" tx2="dk2" accent1="accent1" accent2="accent2" accent3="accent3" accent4="accent4" accent5="accent5" accent6="accent6" hlink="hlink" folHlink="folHlink"/>
   </p:clrMapOvr>
-  <p:timing>
-    <p:tnLst>
-      <p:par>
-        <p:cTn id="1" dur="indefinite" restart="never" nodeType="tmRoot"/>
-      </p:par>
-    </p:tnLst>
-  </p:timing>
 </p:sldLayout>
 </file>
 
@@ -666,7 +674,7 @@
           <a:blip r:embed="rId2" cstate="print">
             <a:extLst>
               <a:ext uri="{28A0092B-C50C-407E-A947-70E740481C1C}">
-                <a14:useLocalDpi xmlns:a14="http://schemas.microsoft.com/office/drawing/2010/main" xmlns="" val="0"/>
+                <a14:useLocalDpi xmlns:a14="http://schemas.microsoft.com/office/drawing/2010/main" val="0"/>
               </a:ext>
             </a:extLst>
           </a:blip>
@@ -690,14 +698,14 @@
           <a:effectLst/>
           <a:extLst>
             <a:ext uri="{909E8E84-426E-40DD-AFC4-6F175D3DCCD1}">
-              <a14:hiddenFill xmlns:a14="http://schemas.microsoft.com/office/drawing/2010/main" xmlns="">
+              <a14:hiddenFill xmlns:a14="http://schemas.microsoft.com/office/drawing/2010/main">
                 <a:solidFill>
                   <a:schemeClr val="accent1"/>
                 </a:solidFill>
               </a14:hiddenFill>
             </a:ext>
             <a:ext uri="{91240B29-F687-4F45-9708-019B960494DF}">
-              <a14:hiddenLine xmlns:a14="http://schemas.microsoft.com/office/drawing/2010/main" xmlns="" w="9525">
+              <a14:hiddenLine xmlns:a14="http://schemas.microsoft.com/office/drawing/2010/main" w="9525">
                 <a:solidFill>
                   <a:schemeClr val="tx1"/>
                 </a:solidFill>
@@ -707,7 +715,7 @@
               </a14:hiddenLine>
             </a:ext>
             <a:ext uri="{AF507438-7753-43E0-B8FC-AC1667EBCBE1}">
-              <a14:hiddenEffects xmlns:a14="http://schemas.microsoft.com/office/drawing/2010/main" xmlns="">
+              <a14:hiddenEffects xmlns:a14="http://schemas.microsoft.com/office/drawing/2010/main">
                 <a:effectLst>
                   <a:outerShdw dist="35921" dir="2700000" algn="ctr" rotWithShape="0">
                     <a:schemeClr val="bg2"/>
@@ -802,7 +810,7 @@
           </a:lstStyle>
           <a:p>
             <a:r>
-              <a:rPr lang="ru-RU" smtClean="0"/>
+              <a:rPr lang="ru-RU"/>
               <a:t>Образец заголовка</a:t>
             </a:r>
             <a:endParaRPr lang="en-US" dirty="0"/>
@@ -839,7 +847,7 @@
           <a:p>
             <a:pPr lvl="4"/>
             <a:r>
-              <a:rPr lang="en-US" dirty="0" smtClean="0"/>
+              <a:rPr lang="en-US" dirty="0"/>
               <a:t>Subtitle</a:t>
             </a:r>
           </a:p>
@@ -848,20 +856,13 @@
     </p:spTree>
     <p:extLst>
       <p:ext uri="{BB962C8B-B14F-4D97-AF65-F5344CB8AC3E}">
-        <p14:creationId xmlns:p14="http://schemas.microsoft.com/office/powerpoint/2010/main" xmlns="" val="2097366919"/>
+        <p14:creationId xmlns:p14="http://schemas.microsoft.com/office/powerpoint/2010/main" val="2097366919"/>
       </p:ext>
     </p:extLst>
   </p:cSld>
   <p:clrMapOvr>
     <a:masterClrMapping/>
   </p:clrMapOvr>
-  <p:timing>
-    <p:tnLst>
-      <p:par>
-        <p:cTn id="1" dur="indefinite" restart="never" nodeType="tmRoot"/>
-      </p:par>
-    </p:tnLst>
-  </p:timing>
 </p:sldLayout>
 </file>
 
@@ -1370,7 +1371,7 @@
     </p:spTree>
     <p:extLst>
       <p:ext uri="{BB962C8B-B14F-4D97-AF65-F5344CB8AC3E}">
-        <p14:creationId xmlns:p14="http://schemas.microsoft.com/office/powerpoint/2010/main" xmlns="" val="3537187278"/>
+        <p14:creationId xmlns:p14="http://schemas.microsoft.com/office/powerpoint/2010/main" val="3537187278"/>
       </p:ext>
     </p:extLst>
   </p:cSld>
@@ -1428,7 +1429,7 @@
           <a:lstStyle/>
           <a:p>
             <a:r>
-              <a:rPr lang="ru-RU" smtClean="0"/>
+              <a:rPr lang="ru-RU"/>
               <a:t>Образец заголовка</a:t>
             </a:r>
             <a:endParaRPr lang="en-US"/>
@@ -1438,7 +1439,7 @@
     </p:spTree>
     <p:extLst>
       <p:ext uri="{BB962C8B-B14F-4D97-AF65-F5344CB8AC3E}">
-        <p14:creationId xmlns:p14="http://schemas.microsoft.com/office/powerpoint/2010/main" xmlns="" val="779007194"/>
+        <p14:creationId xmlns:p14="http://schemas.microsoft.com/office/powerpoint/2010/main" val="779007194"/>
       </p:ext>
     </p:extLst>
   </p:cSld>
@@ -1448,13 +1449,6 @@
     <p:sldLayoutId id="2147483664" r:id="rId2"/>
     <p:sldLayoutId id="2147483665" r:id="rId3"/>
   </p:sldLayoutIdLst>
-  <p:timing>
-    <p:tnLst>
-      <p:par>
-        <p:cTn id="1" dur="indefinite" restart="never" nodeType="tmRoot"/>
-      </p:par>
-    </p:tnLst>
-  </p:timing>
   <p:txStyles>
     <p:titleStyle>
       <a:lvl1pPr algn="ctr" defTabSz="914400" rtl="0" eaLnBrk="1" latinLnBrk="0" hangingPunct="1">
@@ -1838,16 +1832,16 @@
           <a:lstStyle/>
           <a:p>
             <a:r>
-              <a:rPr lang="en-US" sz="4800" dirty="0" smtClean="0">
+              <a:rPr lang="en-US" sz="4800" dirty="0">
                 <a:solidFill>
                   <a:srgbClr val="7564BC"/>
                 </a:solidFill>
-                <a:latin typeface="Calibri" panose="020F0502020204030204" pitchFamily="34" charset="0"/>
+                <a:latin typeface="Calibri Light" panose="020F0302020204030204" pitchFamily="34" charset="0"/>
               </a:rPr>
               <a:t>Flux</a:t>
             </a:r>
             <a:endParaRPr lang="en-US" sz="4800" dirty="0">
-              <a:latin typeface="Calibri" panose="020F0502020204030204" pitchFamily="34" charset="0"/>
+              <a:latin typeface="Calibri Light" panose="020F0302020204030204" pitchFamily="34" charset="0"/>
             </a:endParaRPr>
           </a:p>
         </p:txBody>
@@ -1881,7 +1875,7 @@
     </p:spTree>
     <p:extLst>
       <p:ext uri="{BB962C8B-B14F-4D97-AF65-F5344CB8AC3E}">
-        <p14:creationId xmlns:p14="http://schemas.microsoft.com/office/powerpoint/2010/main" xmlns="" val="3436223543"/>
+        <p14:creationId xmlns:p14="http://schemas.microsoft.com/office/powerpoint/2010/main" val="3436223543"/>
       </p:ext>
     </p:extLst>
   </p:cSld>
@@ -1924,7 +1918,7 @@
           <a:lstStyle/>
           <a:p>
             <a:r>
-              <a:rPr lang="en-US" dirty="0" smtClean="0"/>
+              <a:rPr lang="en-US" dirty="0"/>
               <a:t>Flux</a:t>
             </a:r>
             <a:endParaRPr lang="uk-UA" dirty="0"/>
@@ -1940,7 +1934,7 @@
         <p:spPr>
           <a:xfrm>
             <a:off x="971600" y="1484784"/>
-            <a:ext cx="7128792" cy="4154984"/>
+            <a:ext cx="7128792" cy="2585323"/>
           </a:xfrm>
           <a:prstGeom prst="rect">
             <a:avLst/>
@@ -1954,139 +1948,127 @@
           <a:lstStyle/>
           <a:p>
             <a:r>
-              <a:rPr lang="ru-RU" sz="2400" b="1" dirty="0" err="1">
+              <a:rPr lang="ru-RU" b="1" dirty="0" err="1">
                 <a:latin typeface="Calibri" pitchFamily="34" charset="0"/>
               </a:rPr>
               <a:t>Flux</a:t>
             </a:r>
             <a:r>
-              <a:rPr lang="ru-RU" sz="2400" b="1" dirty="0">
+              <a:rPr lang="ru-RU" b="1" dirty="0">
                 <a:latin typeface="Calibri" pitchFamily="34" charset="0"/>
               </a:rPr>
               <a:t> </a:t>
             </a:r>
             <a:r>
-              <a:rPr lang="ru-RU" sz="2400" dirty="0">
+              <a:rPr lang="ru-RU" dirty="0">
                 <a:latin typeface="Calibri" pitchFamily="34" charset="0"/>
               </a:rPr>
               <a:t>— это архитектура, которую команда </a:t>
             </a:r>
             <a:r>
-              <a:rPr lang="ru-RU" sz="2400" dirty="0" err="1">
+              <a:rPr lang="ru-RU" dirty="0" err="1">
                 <a:latin typeface="Calibri" pitchFamily="34" charset="0"/>
               </a:rPr>
               <a:t>Facebook</a:t>
             </a:r>
             <a:r>
-              <a:rPr lang="ru-RU" sz="2400" dirty="0">
+              <a:rPr lang="ru-RU" dirty="0">
                 <a:latin typeface="Calibri" pitchFamily="34" charset="0"/>
               </a:rPr>
               <a:t> использует при работе с </a:t>
             </a:r>
             <a:r>
-              <a:rPr lang="ru-RU" sz="2400" dirty="0" err="1">
+              <a:rPr lang="ru-RU" dirty="0" err="1">
                 <a:latin typeface="Calibri" pitchFamily="34" charset="0"/>
               </a:rPr>
               <a:t>React</a:t>
             </a:r>
             <a:r>
-              <a:rPr lang="ru-RU" sz="2400" dirty="0">
+              <a:rPr lang="ru-RU" dirty="0">
                 <a:latin typeface="Calibri" pitchFamily="34" charset="0"/>
               </a:rPr>
               <a:t>. Это не </a:t>
             </a:r>
             <a:r>
-              <a:rPr lang="ru-RU" sz="2400" dirty="0" err="1">
+              <a:rPr lang="ru-RU" dirty="0" err="1">
                 <a:latin typeface="Calibri" pitchFamily="34" charset="0"/>
               </a:rPr>
               <a:t>фреймворк</a:t>
             </a:r>
             <a:r>
-              <a:rPr lang="ru-RU" sz="2400" dirty="0">
+              <a:rPr lang="ru-RU" dirty="0">
                 <a:latin typeface="Calibri" pitchFamily="34" charset="0"/>
               </a:rPr>
               <a:t>, или библиотека, это новый архитектурный подход, который дополняет </a:t>
             </a:r>
             <a:r>
-              <a:rPr lang="ru-RU" sz="2400" dirty="0" err="1">
+              <a:rPr lang="ru-RU" dirty="0" err="1">
                 <a:latin typeface="Calibri" pitchFamily="34" charset="0"/>
               </a:rPr>
               <a:t>React</a:t>
             </a:r>
             <a:r>
-              <a:rPr lang="ru-RU" sz="2400" dirty="0">
-                <a:latin typeface="Calibri" pitchFamily="34" charset="0"/>
-              </a:rPr>
-              <a:t> и принцип однонаправленного потока данных</a:t>
-            </a:r>
-            <a:r>
-              <a:rPr lang="ru-RU" sz="2400" dirty="0" smtClean="0">
-                <a:latin typeface="Calibri" pitchFamily="34" charset="0"/>
-              </a:rPr>
-              <a:t>.</a:t>
-            </a:r>
-            <a:r>
-              <a:rPr lang="en-US" sz="2400" dirty="0" smtClean="0">
+              <a:rPr lang="ru-RU" dirty="0">
+                <a:latin typeface="Calibri" pitchFamily="34" charset="0"/>
+              </a:rPr>
+              <a:t> и принцип однонаправленного потока данных.</a:t>
+            </a:r>
+            <a:r>
+              <a:rPr lang="en-US" dirty="0">
                 <a:latin typeface="Calibri" pitchFamily="34" charset="0"/>
               </a:rPr>
               <a:t> </a:t>
             </a:r>
           </a:p>
           <a:p>
-            <a:endParaRPr lang="en-US" sz="2400" dirty="0">
+            <a:endParaRPr lang="en-US" dirty="0">
               <a:latin typeface="Calibri" pitchFamily="34" charset="0"/>
             </a:endParaRPr>
           </a:p>
           <a:p>
             <a:r>
-              <a:rPr lang="ru-RU" sz="2400" dirty="0" smtClean="0">
-                <a:latin typeface="Calibri" pitchFamily="34" charset="0"/>
-              </a:rPr>
-              <a:t>Типичная </a:t>
-            </a:r>
-            <a:r>
-              <a:rPr lang="ru-RU" sz="2400" dirty="0">
-                <a:latin typeface="Calibri" pitchFamily="34" charset="0"/>
-              </a:rPr>
-              <a:t>реализация архитектуры </a:t>
-            </a:r>
-            <a:r>
-              <a:rPr lang="ru-RU" sz="2400" dirty="0" err="1">
+              <a:rPr lang="ru-RU" dirty="0">
+                <a:latin typeface="Calibri" pitchFamily="34" charset="0"/>
+              </a:rPr>
+              <a:t>Типичная реализация архитектуры </a:t>
+            </a:r>
+            <a:r>
+              <a:rPr lang="ru-RU" dirty="0" err="1">
                 <a:latin typeface="Calibri" pitchFamily="34" charset="0"/>
               </a:rPr>
               <a:t>Flux</a:t>
             </a:r>
             <a:r>
-              <a:rPr lang="ru-RU" sz="2400" dirty="0">
+              <a:rPr lang="ru-RU" dirty="0">
                 <a:latin typeface="Calibri" pitchFamily="34" charset="0"/>
               </a:rPr>
               <a:t> может использовать эту библиотеку вместе с классом </a:t>
             </a:r>
             <a:r>
-              <a:rPr lang="ru-RU" sz="2400" dirty="0" err="1">
+              <a:rPr lang="ru-RU" dirty="0" err="1">
                 <a:latin typeface="Calibri" pitchFamily="34" charset="0"/>
               </a:rPr>
               <a:t>EventEmitter</a:t>
             </a:r>
             <a:r>
-              <a:rPr lang="ru-RU" sz="2400" dirty="0">
+              <a:rPr lang="ru-RU" dirty="0">
                 <a:latin typeface="Calibri" pitchFamily="34" charset="0"/>
               </a:rPr>
               <a:t> из </a:t>
             </a:r>
             <a:r>
-              <a:rPr lang="ru-RU" sz="2400" dirty="0" err="1">
+              <a:rPr lang="ru-RU" dirty="0" err="1">
                 <a:latin typeface="Calibri" pitchFamily="34" charset="0"/>
               </a:rPr>
               <a:t>NodeJS</a:t>
             </a:r>
             <a:r>
-              <a:rPr lang="ru-RU" sz="2400" dirty="0">
+              <a:rPr lang="ru-RU" dirty="0">
                 <a:latin typeface="Calibri" pitchFamily="34" charset="0"/>
               </a:rPr>
               <a:t>, чтобы построить событийно-ориентированную систему, которая поможет управлять состоянием приложения.</a:t>
             </a:r>
-            <a:endParaRPr lang="uk-UA" sz="2400" dirty="0">
+            <a:endParaRPr lang="uk-UA" dirty="0">
               <a:latin typeface="Calibri" pitchFamily="34" charset="0"/>
             </a:endParaRPr>
           </a:p>
@@ -2133,266 +2115,43 @@
           <a:lstStyle/>
           <a:p>
             <a:r>
-              <a:rPr lang="ru-RU" dirty="0" smtClean="0"/>
-              <a:t>Компоненты </a:t>
-            </a:r>
-            <a:r>
-              <a:rPr lang="en-US" dirty="0" smtClean="0"/>
-              <a:t>Flux</a:t>
+              <a:rPr lang="ru-RU" dirty="0"/>
+              <a:t>Структура </a:t>
+            </a:r>
+            <a:r>
+              <a:rPr lang="en-US" dirty="0"/>
+              <a:t>Flux </a:t>
             </a:r>
             <a:endParaRPr lang="uk-UA" dirty="0"/>
           </a:p>
         </p:txBody>
       </p:sp>
-      <p:sp>
-        <p:nvSpPr>
-          <p:cNvPr id="3" name="TextBox 2"/>
-          <p:cNvSpPr txBox="1"/>
+      <p:pic>
+        <p:nvPicPr>
+          <p:cNvPr id="7170" name="Picture 2" descr="https://shellmonger.files.wordpress.com/2015/07/08192015-1.png"/>
+          <p:cNvPicPr>
+            <a:picLocks noChangeAspect="1" noChangeArrowheads="1"/>
+          </p:cNvPicPr>
           <p:nvPr/>
-        </p:nvSpPr>
-        <p:spPr>
-          <a:xfrm>
-            <a:off x="827584" y="1268760"/>
-            <a:ext cx="7632848" cy="4678204"/>
+        </p:nvPicPr>
+        <p:blipFill>
+          <a:blip r:embed="rId2" cstate="print"/>
+          <a:srcRect/>
+          <a:stretch>
+            <a:fillRect/>
+          </a:stretch>
+        </p:blipFill>
+        <p:spPr bwMode="auto">
+          <a:xfrm>
+            <a:off x="395536" y="1844824"/>
+            <a:ext cx="8375332" cy="3836583"/>
           </a:xfrm>
           <a:prstGeom prst="rect">
             <a:avLst/>
           </a:prstGeom>
           <a:noFill/>
         </p:spPr>
-        <p:txBody>
-          <a:bodyPr wrap="square" rtlCol="0">
-            <a:spAutoFit/>
-          </a:bodyPr>
-          <a:lstStyle/>
-          <a:p>
-            <a:r>
-              <a:rPr lang="ru-RU" sz="2000" dirty="0" smtClean="0">
-                <a:latin typeface="Calibri" pitchFamily="34" charset="0"/>
-              </a:rPr>
-              <a:t>Компоненты </a:t>
-            </a:r>
-            <a:r>
-              <a:rPr lang="en-US" sz="2000" dirty="0" smtClean="0">
-                <a:latin typeface="Calibri" pitchFamily="34" charset="0"/>
-              </a:rPr>
-              <a:t>Flux: </a:t>
-            </a:r>
-          </a:p>
-          <a:p>
-            <a:endParaRPr lang="en-US" sz="2000" dirty="0">
-              <a:latin typeface="Calibri" pitchFamily="34" charset="0"/>
-            </a:endParaRPr>
-          </a:p>
-          <a:p>
-            <a:pPr fontAlgn="base">
-              <a:buFont typeface="Arial" pitchFamily="34" charset="0"/>
-              <a:buChar char="•"/>
-            </a:pPr>
-            <a:r>
-              <a:rPr lang="en-US" sz="2000" dirty="0" smtClean="0">
-                <a:latin typeface="Calibri" pitchFamily="34" charset="0"/>
-              </a:rPr>
-              <a:t> </a:t>
-            </a:r>
-            <a:r>
-              <a:rPr lang="ru-RU" sz="2000" b="1" dirty="0" smtClean="0">
-                <a:latin typeface="Calibri" pitchFamily="34" charset="0"/>
-              </a:rPr>
-              <a:t>Actions </a:t>
-            </a:r>
-            <a:r>
-              <a:rPr lang="ru-RU" sz="2000" b="1" dirty="0">
-                <a:latin typeface="Calibri" pitchFamily="34" charset="0"/>
-              </a:rPr>
-              <a:t>/ Действия </a:t>
-            </a:r>
-            <a:r>
-              <a:rPr lang="ru-RU" sz="2000" dirty="0">
-                <a:latin typeface="Calibri" pitchFamily="34" charset="0"/>
-              </a:rPr>
-              <a:t>— хелперы, упрощающие передачу данных </a:t>
-            </a:r>
-            <a:r>
-              <a:rPr lang="ru-RU" sz="2000" dirty="0" smtClean="0">
-                <a:latin typeface="Calibri" pitchFamily="34" charset="0"/>
-              </a:rPr>
-              <a:t>Диспетчеру</a:t>
-            </a:r>
-            <a:r>
-              <a:rPr lang="en-US" sz="2000" dirty="0" smtClean="0">
-                <a:latin typeface="Calibri" pitchFamily="34" charset="0"/>
-              </a:rPr>
-              <a:t> </a:t>
-            </a:r>
-          </a:p>
-          <a:p>
-            <a:pPr fontAlgn="base"/>
-            <a:endParaRPr lang="ru-RU" sz="2000" dirty="0">
-              <a:latin typeface="Calibri" pitchFamily="34" charset="0"/>
-            </a:endParaRPr>
-          </a:p>
-          <a:p>
-            <a:pPr fontAlgn="base">
-              <a:buFont typeface="Arial" pitchFamily="34" charset="0"/>
-              <a:buChar char="•"/>
-            </a:pPr>
-            <a:r>
-              <a:rPr lang="ru-RU" sz="2000" dirty="0" smtClean="0">
-                <a:latin typeface="Calibri" pitchFamily="34" charset="0"/>
-              </a:rPr>
-              <a:t> </a:t>
-            </a:r>
-            <a:r>
-              <a:rPr lang="ru-RU" sz="2000" b="1" dirty="0" err="1" smtClean="0">
-                <a:latin typeface="Calibri" pitchFamily="34" charset="0"/>
-              </a:rPr>
-              <a:t>Dispatcher</a:t>
-            </a:r>
-            <a:r>
-              <a:rPr lang="ru-RU" sz="2000" b="1" dirty="0" smtClean="0">
-                <a:latin typeface="Calibri" pitchFamily="34" charset="0"/>
-              </a:rPr>
-              <a:t> </a:t>
-            </a:r>
-            <a:r>
-              <a:rPr lang="ru-RU" sz="2000" b="1" dirty="0">
-                <a:latin typeface="Calibri" pitchFamily="34" charset="0"/>
-              </a:rPr>
-              <a:t>/ Диспетчер </a:t>
-            </a:r>
-            <a:r>
-              <a:rPr lang="ru-RU" sz="2000" dirty="0">
-                <a:latin typeface="Calibri" pitchFamily="34" charset="0"/>
-              </a:rPr>
-              <a:t>— принимает Действия и рассылает нагрузку зарегистрированным </a:t>
-            </a:r>
-            <a:r>
-              <a:rPr lang="ru-RU" sz="2000" dirty="0" smtClean="0">
-                <a:latin typeface="Calibri" pitchFamily="34" charset="0"/>
-              </a:rPr>
-              <a:t>обработчикам</a:t>
-            </a:r>
-            <a:endParaRPr lang="en-US" sz="2000" dirty="0" smtClean="0">
-              <a:latin typeface="Calibri" pitchFamily="34" charset="0"/>
-            </a:endParaRPr>
-          </a:p>
-          <a:p>
-            <a:pPr fontAlgn="base"/>
-            <a:endParaRPr lang="ru-RU" sz="2000" dirty="0">
-              <a:latin typeface="Calibri" pitchFamily="34" charset="0"/>
-            </a:endParaRPr>
-          </a:p>
-          <a:p>
-            <a:pPr fontAlgn="base">
-              <a:buFont typeface="Arial" pitchFamily="34" charset="0"/>
-              <a:buChar char="•"/>
-            </a:pPr>
-            <a:r>
-              <a:rPr lang="ru-RU" sz="2000" dirty="0" smtClean="0">
-                <a:latin typeface="Calibri" pitchFamily="34" charset="0"/>
-              </a:rPr>
-              <a:t> </a:t>
-            </a:r>
-            <a:r>
-              <a:rPr lang="ru-RU" sz="2000" b="1" dirty="0" err="1" smtClean="0">
-                <a:latin typeface="Calibri" pitchFamily="34" charset="0"/>
-              </a:rPr>
-              <a:t>Stores</a:t>
-            </a:r>
-            <a:r>
-              <a:rPr lang="ru-RU" sz="2000" b="1" dirty="0" smtClean="0">
-                <a:latin typeface="Calibri" pitchFamily="34" charset="0"/>
-              </a:rPr>
-              <a:t> </a:t>
-            </a:r>
-            <a:r>
-              <a:rPr lang="ru-RU" sz="2000" b="1" dirty="0">
-                <a:latin typeface="Calibri" pitchFamily="34" charset="0"/>
-              </a:rPr>
-              <a:t>/ Хранилища </a:t>
-            </a:r>
-            <a:r>
-              <a:rPr lang="ru-RU" sz="2000" dirty="0">
-                <a:latin typeface="Calibri" pitchFamily="34" charset="0"/>
-              </a:rPr>
-              <a:t>— контейнеры для состояния приложения и </a:t>
-            </a:r>
-            <a:r>
-              <a:rPr lang="ru-RU" sz="2000" dirty="0" smtClean="0">
-                <a:latin typeface="Calibri" pitchFamily="34" charset="0"/>
-              </a:rPr>
-              <a:t>логики </a:t>
-            </a:r>
-            <a:r>
-              <a:rPr lang="ru-RU" sz="2000" dirty="0">
-                <a:latin typeface="Calibri" pitchFamily="34" charset="0"/>
-              </a:rPr>
-              <a:t>в обработчиках, зарегистрированных в </a:t>
-            </a:r>
-            <a:r>
-              <a:rPr lang="ru-RU" sz="2000" dirty="0" smtClean="0">
-                <a:latin typeface="Calibri" pitchFamily="34" charset="0"/>
-              </a:rPr>
-              <a:t>Диспетчере</a:t>
-            </a:r>
-            <a:endParaRPr lang="en-US" sz="2000" dirty="0" smtClean="0">
-              <a:latin typeface="Calibri" pitchFamily="34" charset="0"/>
-            </a:endParaRPr>
-          </a:p>
-          <a:p>
-            <a:pPr fontAlgn="base"/>
-            <a:endParaRPr lang="ru-RU" sz="2000" dirty="0">
-              <a:latin typeface="Calibri" pitchFamily="34" charset="0"/>
-            </a:endParaRPr>
-          </a:p>
-          <a:p>
-            <a:pPr fontAlgn="base">
-              <a:buFont typeface="Arial" pitchFamily="34" charset="0"/>
-              <a:buChar char="•"/>
-            </a:pPr>
-            <a:r>
-              <a:rPr lang="ru-RU" sz="2000" dirty="0" smtClean="0">
-                <a:latin typeface="Calibri" pitchFamily="34" charset="0"/>
-              </a:rPr>
-              <a:t> </a:t>
-            </a:r>
-            <a:r>
-              <a:rPr lang="ru-RU" sz="2000" b="1" dirty="0" err="1" smtClean="0">
-                <a:latin typeface="Calibri" pitchFamily="34" charset="0"/>
-              </a:rPr>
-              <a:t>Controller</a:t>
-            </a:r>
-            <a:r>
-              <a:rPr lang="ru-RU" sz="2000" b="1" dirty="0" smtClean="0">
-                <a:latin typeface="Calibri" pitchFamily="34" charset="0"/>
-              </a:rPr>
-              <a:t> </a:t>
-            </a:r>
-            <a:r>
-              <a:rPr lang="ru-RU" sz="2000" b="1" dirty="0" err="1">
-                <a:latin typeface="Calibri" pitchFamily="34" charset="0"/>
-              </a:rPr>
-              <a:t>Views</a:t>
-            </a:r>
-            <a:r>
-              <a:rPr lang="ru-RU" sz="2000" b="1" dirty="0">
-                <a:latin typeface="Calibri" pitchFamily="34" charset="0"/>
-              </a:rPr>
-              <a:t> / Представления </a:t>
-            </a:r>
-            <a:r>
-              <a:rPr lang="ru-RU" sz="2000" dirty="0">
-                <a:latin typeface="Calibri" pitchFamily="34" charset="0"/>
-              </a:rPr>
-              <a:t>— React-компоненты, которые собирают состояние хранилищ и передают его дочерним компонентам через свойства</a:t>
-            </a:r>
-          </a:p>
-          <a:p>
-            <a:endParaRPr lang="uk-UA" dirty="0"/>
-          </a:p>
-        </p:txBody>
-      </p:sp>
+      </p:pic>
     </p:spTree>
   </p:cSld>
   <p:clrMapOvr>
@@ -2434,43 +2193,218 @@
           <a:lstStyle/>
           <a:p>
             <a:r>
-              <a:rPr lang="ru-RU" dirty="0" smtClean="0"/>
-              <a:t>Структура </a:t>
-            </a:r>
-            <a:r>
-              <a:rPr lang="en-US" dirty="0" smtClean="0"/>
-              <a:t>Flux </a:t>
+              <a:rPr lang="ru-RU" dirty="0"/>
+              <a:t>Компоненты </a:t>
+            </a:r>
+            <a:r>
+              <a:rPr lang="en-US" dirty="0"/>
+              <a:t>Flux</a:t>
             </a:r>
             <a:endParaRPr lang="uk-UA" dirty="0"/>
           </a:p>
         </p:txBody>
       </p:sp>
-      <p:pic>
-        <p:nvPicPr>
-          <p:cNvPr id="7170" name="Picture 2" descr="https://shellmonger.files.wordpress.com/2015/07/08192015-1.png"/>
-          <p:cNvPicPr>
-            <a:picLocks noChangeAspect="1" noChangeArrowheads="1"/>
-          </p:cNvPicPr>
+      <p:sp>
+        <p:nvSpPr>
+          <p:cNvPr id="3" name="TextBox 2"/>
+          <p:cNvSpPr txBox="1"/>
           <p:nvPr/>
-        </p:nvPicPr>
-        <p:blipFill>
-          <a:blip r:embed="rId2" cstate="print"/>
-          <a:srcRect/>
-          <a:stretch>
-            <a:fillRect/>
-          </a:stretch>
-        </p:blipFill>
-        <p:spPr bwMode="auto">
-          <a:xfrm>
-            <a:off x="395536" y="1844824"/>
-            <a:ext cx="8375332" cy="3836583"/>
+        </p:nvSpPr>
+        <p:spPr>
+          <a:xfrm>
+            <a:off x="827584" y="1268760"/>
+            <a:ext cx="7632848" cy="4247317"/>
           </a:xfrm>
           <a:prstGeom prst="rect">
             <a:avLst/>
           </a:prstGeom>
           <a:noFill/>
         </p:spPr>
-      </p:pic>
+        <p:txBody>
+          <a:bodyPr wrap="square" rtlCol="0">
+            <a:spAutoFit/>
+          </a:bodyPr>
+          <a:lstStyle/>
+          <a:p>
+            <a:r>
+              <a:rPr lang="ru-RU" dirty="0">
+                <a:latin typeface="Calibri" pitchFamily="34" charset="0"/>
+              </a:rPr>
+              <a:t>Компоненты </a:t>
+            </a:r>
+            <a:r>
+              <a:rPr lang="en-US" dirty="0">
+                <a:latin typeface="Calibri" pitchFamily="34" charset="0"/>
+              </a:rPr>
+              <a:t>Flux: </a:t>
+            </a:r>
+          </a:p>
+          <a:p>
+            <a:endParaRPr lang="en-US" dirty="0">
+              <a:latin typeface="Calibri" pitchFamily="34" charset="0"/>
+            </a:endParaRPr>
+          </a:p>
+          <a:p>
+            <a:pPr fontAlgn="base">
+              <a:buFont typeface="Arial" pitchFamily="34" charset="0"/>
+              <a:buChar char="•"/>
+            </a:pPr>
+            <a:r>
+              <a:rPr lang="en-US" dirty="0">
+                <a:latin typeface="Calibri" pitchFamily="34" charset="0"/>
+              </a:rPr>
+              <a:t> </a:t>
+            </a:r>
+            <a:r>
+              <a:rPr lang="ru-RU" b="1" dirty="0">
+                <a:latin typeface="Calibri" pitchFamily="34" charset="0"/>
+              </a:rPr>
+              <a:t>Actions / Действия </a:t>
+            </a:r>
+            <a:r>
+              <a:rPr lang="ru-RU" dirty="0">
+                <a:latin typeface="Calibri" pitchFamily="34" charset="0"/>
+              </a:rPr>
+              <a:t>— хелперы, упрощающие передачу данных Диспетчеру</a:t>
+            </a:r>
+            <a:r>
+              <a:rPr lang="en-US" dirty="0">
+                <a:latin typeface="Calibri" pitchFamily="34" charset="0"/>
+              </a:rPr>
+              <a:t> </a:t>
+            </a:r>
+          </a:p>
+          <a:p>
+            <a:pPr fontAlgn="base"/>
+            <a:endParaRPr lang="ru-RU" dirty="0">
+              <a:latin typeface="Calibri" pitchFamily="34" charset="0"/>
+            </a:endParaRPr>
+          </a:p>
+          <a:p>
+            <a:pPr fontAlgn="base">
+              <a:buFont typeface="Arial" pitchFamily="34" charset="0"/>
+              <a:buChar char="•"/>
+            </a:pPr>
+            <a:r>
+              <a:rPr lang="ru-RU" dirty="0">
+                <a:latin typeface="Calibri" pitchFamily="34" charset="0"/>
+              </a:rPr>
+              <a:t> </a:t>
+            </a:r>
+            <a:r>
+              <a:rPr lang="ru-RU" b="1" dirty="0" err="1">
+                <a:latin typeface="Calibri" pitchFamily="34" charset="0"/>
+              </a:rPr>
+              <a:t>Dispatcher</a:t>
+            </a:r>
+            <a:r>
+              <a:rPr lang="ru-RU" b="1" dirty="0">
+                <a:latin typeface="Calibri" pitchFamily="34" charset="0"/>
+              </a:rPr>
+              <a:t> / Диспетчер </a:t>
+            </a:r>
+            <a:r>
+              <a:rPr lang="ru-RU" dirty="0">
+                <a:latin typeface="Calibri" pitchFamily="34" charset="0"/>
+              </a:rPr>
+              <a:t>— принимает Действия и рассылает нагрузку зарегистрированным обработчикам</a:t>
+            </a:r>
+            <a:endParaRPr lang="en-US" dirty="0">
+              <a:latin typeface="Calibri" pitchFamily="34" charset="0"/>
+            </a:endParaRPr>
+          </a:p>
+          <a:p>
+            <a:pPr fontAlgn="base"/>
+            <a:endParaRPr lang="ru-RU" dirty="0">
+              <a:latin typeface="Calibri" pitchFamily="34" charset="0"/>
+            </a:endParaRPr>
+          </a:p>
+          <a:p>
+            <a:pPr fontAlgn="base">
+              <a:buFont typeface="Arial" pitchFamily="34" charset="0"/>
+              <a:buChar char="•"/>
+            </a:pPr>
+            <a:r>
+              <a:rPr lang="ru-RU" dirty="0">
+                <a:latin typeface="Calibri" pitchFamily="34" charset="0"/>
+              </a:rPr>
+              <a:t> </a:t>
+            </a:r>
+            <a:r>
+              <a:rPr lang="ru-RU" b="1" dirty="0" err="1">
+                <a:latin typeface="Calibri" pitchFamily="34" charset="0"/>
+              </a:rPr>
+              <a:t>Stores</a:t>
+            </a:r>
+            <a:r>
+              <a:rPr lang="ru-RU" b="1" dirty="0">
+                <a:latin typeface="Calibri" pitchFamily="34" charset="0"/>
+              </a:rPr>
+              <a:t> / Хранилища </a:t>
+            </a:r>
+            <a:r>
+              <a:rPr lang="ru-RU" dirty="0">
+                <a:latin typeface="Calibri" pitchFamily="34" charset="0"/>
+              </a:rPr>
+              <a:t>— контейнеры для состояния приложения и логики в обработчиках, зарегистрированных в Диспетчере</a:t>
+            </a:r>
+            <a:endParaRPr lang="en-US" dirty="0">
+              <a:latin typeface="Calibri" pitchFamily="34" charset="0"/>
+            </a:endParaRPr>
+          </a:p>
+          <a:p>
+            <a:pPr fontAlgn="base"/>
+            <a:endParaRPr lang="ru-RU" dirty="0">
+              <a:latin typeface="Calibri" pitchFamily="34" charset="0"/>
+            </a:endParaRPr>
+          </a:p>
+          <a:p>
+            <a:pPr fontAlgn="base">
+              <a:buFont typeface="Arial" pitchFamily="34" charset="0"/>
+              <a:buChar char="•"/>
+            </a:pPr>
+            <a:r>
+              <a:rPr lang="ru-RU" dirty="0">
+                <a:latin typeface="Calibri" pitchFamily="34" charset="0"/>
+              </a:rPr>
+              <a:t> </a:t>
+            </a:r>
+            <a:r>
+              <a:rPr lang="ru-RU" b="1" dirty="0" err="1">
+                <a:latin typeface="Calibri" pitchFamily="34" charset="0"/>
+              </a:rPr>
+              <a:t>Controller</a:t>
+            </a:r>
+            <a:r>
+              <a:rPr lang="ru-RU" b="1" dirty="0">
+                <a:latin typeface="Calibri" pitchFamily="34" charset="0"/>
+              </a:rPr>
+              <a:t> </a:t>
+            </a:r>
+            <a:r>
+              <a:rPr lang="ru-RU" b="1" dirty="0" err="1">
+                <a:latin typeface="Calibri" pitchFamily="34" charset="0"/>
+              </a:rPr>
+              <a:t>Views</a:t>
+            </a:r>
+            <a:r>
+              <a:rPr lang="ru-RU" b="1" dirty="0">
+                <a:latin typeface="Calibri" pitchFamily="34" charset="0"/>
+              </a:rPr>
+              <a:t> / Представления </a:t>
+            </a:r>
+            <a:r>
+              <a:rPr lang="ru-RU" dirty="0">
+                <a:latin typeface="Calibri" pitchFamily="34" charset="0"/>
+              </a:rPr>
+              <a:t>— React-компоненты, которые собирают состояние хранилищ и передают его дочерним компонентам через свойства</a:t>
+            </a:r>
+          </a:p>
+          <a:p>
+            <a:endParaRPr lang="uk-UA" dirty="0"/>
+          </a:p>
+        </p:txBody>
+      </p:sp>
     </p:spTree>
   </p:cSld>
   <p:clrMapOvr>
@@ -2512,15 +2446,23 @@
           <a:lstStyle/>
           <a:p>
             <a:r>
-              <a:rPr lang="ru-RU" dirty="0" smtClean="0"/>
-              <a:t>диспетчер(</a:t>
-            </a:r>
-            <a:r>
-              <a:rPr lang="en-US" dirty="0" smtClean="0"/>
+              <a:rPr lang="uk-UA" dirty="0"/>
+              <a:t>Д</a:t>
+            </a:r>
+            <a:r>
+              <a:rPr lang="ru-RU" dirty="0" err="1"/>
+              <a:t>испетчер</a:t>
+            </a:r>
+            <a:r>
+              <a:rPr lang="ru-RU" dirty="0"/>
+              <a:t> (</a:t>
+            </a:r>
+            <a:r>
+              <a:rPr lang="en-US" dirty="0"/>
               <a:t>dispatcher</a:t>
             </a:r>
             <a:r>
-              <a:rPr lang="ru-RU" dirty="0" smtClean="0"/>
+              <a:rPr lang="ru-RU" dirty="0"/>
               <a:t>)</a:t>
             </a:r>
             <a:endParaRPr lang="uk-UA" dirty="0"/>
@@ -2562,7 +2504,7 @@
         <p:spPr>
           <a:xfrm>
             <a:off x="4355976" y="2276872"/>
-            <a:ext cx="4320480" cy="2523768"/>
+            <a:ext cx="4320480" cy="2031325"/>
           </a:xfrm>
           <a:prstGeom prst="rect">
             <a:avLst/>
@@ -2576,79 +2518,61 @@
           <a:lstStyle/>
           <a:p>
             <a:r>
-              <a:rPr lang="ru-RU" sz="2000" dirty="0">
+              <a:rPr lang="ru-RU" dirty="0">
                 <a:latin typeface="Calibri" pitchFamily="34" charset="0"/>
               </a:rPr>
               <a:t>В сущности, </a:t>
             </a:r>
             <a:r>
-              <a:rPr lang="ru-RU" sz="2000" b="1" dirty="0" smtClean="0">
+              <a:rPr lang="ru-RU" b="1" dirty="0">
                 <a:latin typeface="Calibri" pitchFamily="34" charset="0"/>
               </a:rPr>
               <a:t>Диспетчер</a:t>
             </a:r>
             <a:r>
-              <a:rPr lang="en-US" sz="2000" b="1" dirty="0" smtClean="0">
-                <a:latin typeface="Calibri" pitchFamily="34" charset="0"/>
-              </a:rPr>
-              <a:t>(dispatcher)</a:t>
-            </a:r>
-            <a:r>
-              <a:rPr lang="ru-RU" sz="2000" dirty="0" smtClean="0">
-                <a:latin typeface="Calibri" pitchFamily="34" charset="0"/>
-              </a:rPr>
-              <a:t> </a:t>
-            </a:r>
-            <a:r>
-              <a:rPr lang="ru-RU" sz="2000" dirty="0">
-                <a:latin typeface="Calibri" pitchFamily="34" charset="0"/>
-              </a:rPr>
-              <a:t>— это менеджер </a:t>
-            </a:r>
-            <a:r>
-              <a:rPr lang="ru-RU" sz="2000" dirty="0" smtClean="0">
-                <a:latin typeface="Calibri" pitchFamily="34" charset="0"/>
-              </a:rPr>
-              <a:t>работы </a:t>
-            </a:r>
-            <a:r>
-              <a:rPr lang="en-US" sz="2000" dirty="0" smtClean="0">
+              <a:rPr lang="en-US" b="1" dirty="0">
+                <a:latin typeface="Calibri" pitchFamily="34" charset="0"/>
+              </a:rPr>
+              <a:t> (dispatcher)</a:t>
+            </a:r>
+            <a:r>
+              <a:rPr lang="ru-RU" dirty="0">
+                <a:latin typeface="Calibri" pitchFamily="34" charset="0"/>
+              </a:rPr>
+              <a:t> — это менеджер работы </a:t>
+            </a:r>
+            <a:r>
+              <a:rPr lang="en-US" dirty="0">
                 <a:latin typeface="Calibri" pitchFamily="34" charset="0"/>
               </a:rPr>
               <a:t>flux-</a:t>
             </a:r>
             <a:r>
-              <a:rPr lang="ru-RU" sz="2000" dirty="0" smtClean="0">
+              <a:rPr lang="ru-RU" dirty="0">
                 <a:latin typeface="Calibri" pitchFamily="34" charset="0"/>
               </a:rPr>
               <a:t>приложения</a:t>
             </a:r>
             <a:r>
-              <a:rPr lang="en-US" sz="2000" dirty="0" smtClean="0">
+              <a:rPr lang="en-US" dirty="0">
                 <a:latin typeface="Calibri" pitchFamily="34" charset="0"/>
               </a:rPr>
               <a:t>, </a:t>
             </a:r>
             <a:r>
-              <a:rPr lang="ru-RU" sz="2000" dirty="0" smtClean="0">
-                <a:latin typeface="Calibri" pitchFamily="34" charset="0"/>
-              </a:rPr>
-              <a:t>его центральный узел. </a:t>
-            </a:r>
-            <a:r>
-              <a:rPr lang="ru-RU" sz="2000" dirty="0">
-                <a:latin typeface="Calibri" pitchFamily="34" charset="0"/>
-              </a:rPr>
-              <a:t>Диспетчер получает на вход действия и рассылает эти действия (и связанные с ними данные) зарегистрированным обработчикам.</a:t>
-            </a:r>
-            <a:r>
-              <a:rPr lang="ru-RU" dirty="0" smtClean="0"/>
-              <a:t/>
+              <a:rPr lang="ru-RU" dirty="0">
+                <a:latin typeface="Calibri" pitchFamily="34" charset="0"/>
+              </a:rPr>
+              <a:t>его центральный узел. Диспетчер получает на вход действия и рассылает эти действия (и связанные с ними данные) зарегистрированным обработчикам.</a:t>
             </a:r>
             <a:br>
-              <a:rPr lang="ru-RU" dirty="0" smtClean="0"/>
+              <a:rPr lang="ru-RU" dirty="0">
+                <a:latin typeface="Calibri" pitchFamily="34" charset="0"/>
+              </a:rPr>
             </a:br>
-            <a:endParaRPr lang="uk-UA" dirty="0"/>
+            <a:endParaRPr lang="uk-UA" dirty="0">
+              <a:latin typeface="Calibri" panose="020F0502020204030204" pitchFamily="34" charset="0"/>
+            </a:endParaRPr>
           </a:p>
         </p:txBody>
       </p:sp>
@@ -2693,7 +2617,7 @@
           <a:lstStyle/>
           <a:p>
             <a:r>
-              <a:rPr lang="en-US" dirty="0" smtClean="0"/>
+              <a:rPr lang="en-US" dirty="0"/>
               <a:t>Actions &amp; Stores</a:t>
             </a:r>
             <a:endParaRPr lang="uk-UA" dirty="0"/>
@@ -2749,19 +2673,19 @@
           <a:lstStyle/>
           <a:p>
             <a:r>
-              <a:rPr lang="ru-RU" b="1" dirty="0" smtClean="0">
-                <a:latin typeface="Calibri" pitchFamily="34" charset="0"/>
-              </a:rPr>
-              <a:t>Хранилища</a:t>
-            </a:r>
-            <a:r>
-              <a:rPr lang="en-US" b="1" dirty="0" smtClean="0">
+              <a:rPr lang="ru-RU" b="1" dirty="0">
+                <a:latin typeface="Calibri" pitchFamily="34" charset="0"/>
+              </a:rPr>
+              <a:t>Хранилища </a:t>
+            </a:r>
+            <a:r>
+              <a:rPr lang="en-US" b="1" dirty="0">
                 <a:latin typeface="Calibri" pitchFamily="34" charset="0"/>
               </a:rPr>
               <a:t>(stores)</a:t>
             </a:r>
             <a:r>
-              <a:rPr lang="ru-RU" b="1" dirty="0" smtClean="0">
+              <a:rPr lang="ru-RU" b="1" dirty="0">
                 <a:latin typeface="Calibri" pitchFamily="34" charset="0"/>
               </a:rPr>
               <a:t> </a:t>
@@ -2782,40 +2706,28 @@
               <a:rPr lang="ru-RU" dirty="0">
                 <a:latin typeface="Calibri" pitchFamily="34" charset="0"/>
               </a:rPr>
-              <a:t> управляют состоянием определенных частей предметной </a:t>
-            </a:r>
-            <a:r>
-              <a:rPr lang="ru-RU" dirty="0" smtClean="0">
-                <a:latin typeface="Calibri" pitchFamily="34" charset="0"/>
-              </a:rPr>
-              <a:t>области</a:t>
-            </a:r>
-            <a:r>
-              <a:rPr lang="en-US" dirty="0" smtClean="0">
+              <a:t> управляют состоянием определенных частей предметной области</a:t>
+            </a:r>
+            <a:r>
+              <a:rPr lang="en-US" dirty="0">
                 <a:latin typeface="Calibri" pitchFamily="34" charset="0"/>
               </a:rPr>
               <a:t> </a:t>
             </a:r>
             <a:r>
-              <a:rPr lang="ru-RU" dirty="0" smtClean="0">
-                <a:latin typeface="Calibri" pitchFamily="34" charset="0"/>
-              </a:rPr>
-              <a:t>приложения</a:t>
-            </a:r>
-            <a:r>
               <a:rPr lang="ru-RU" dirty="0">
                 <a:latin typeface="Calibri" pitchFamily="34" charset="0"/>
               </a:rPr>
-              <a:t>. На более высоком уровне это означает, что Хранилища хранят данные, методы получения этих данных и зарегистрированные в Диспетчере обработчики Действий.</a:t>
-            </a:r>
-            <a:r>
-              <a:rPr lang="ru-RU" dirty="0" smtClean="0"/>
-              <a:t/>
+              <a:t>приложения. На более высоком уровне это означает, что Хранилища хранят данные, методы получения этих данных и зарегистрированные в Диспетчере обработчики Действий.</a:t>
             </a:r>
             <a:br>
-              <a:rPr lang="ru-RU" dirty="0" smtClean="0"/>
+              <a:rPr lang="ru-RU" dirty="0">
+                <a:latin typeface="Calibri" pitchFamily="34" charset="0"/>
+              </a:rPr>
             </a:br>
-            <a:endParaRPr lang="uk-UA" dirty="0"/>
+            <a:endParaRPr lang="uk-UA" dirty="0">
+              <a:latin typeface="Calibri" panose="020F0502020204030204" pitchFamily="34" charset="0"/>
+            </a:endParaRPr>
           </a:p>
         </p:txBody>
       </p:sp>
@@ -2842,19 +2754,19 @@
           <a:lstStyle/>
           <a:p>
             <a:r>
-              <a:rPr lang="ru-RU" b="1" dirty="0" smtClean="0">
+              <a:rPr lang="ru-RU" b="1" dirty="0">
                 <a:latin typeface="Calibri" pitchFamily="34" charset="0"/>
               </a:rPr>
               <a:t>Действия</a:t>
             </a:r>
             <a:r>
-              <a:rPr lang="en-US" b="1" dirty="0" smtClean="0">
+              <a:rPr lang="en-US" b="1" dirty="0">
                 <a:latin typeface="Calibri" pitchFamily="34" charset="0"/>
               </a:rPr>
               <a:t>(actions)</a:t>
             </a:r>
             <a:r>
-              <a:rPr lang="ru-RU" b="1" dirty="0" smtClean="0">
+              <a:rPr lang="ru-RU" b="1" dirty="0">
                 <a:latin typeface="Calibri" pitchFamily="34" charset="0"/>
               </a:rPr>
               <a:t> </a:t>
@@ -2912,7 +2824,7 @@
           <a:lstStyle/>
           <a:p>
             <a:r>
-              <a:rPr lang="en-US" dirty="0" smtClean="0"/>
+              <a:rPr lang="en-US" dirty="0"/>
               <a:t>Controller views</a:t>
             </a:r>
             <a:endParaRPr lang="uk-UA" dirty="0"/>
@@ -2954,7 +2866,7 @@
         <p:spPr>
           <a:xfrm>
             <a:off x="3851920" y="2132856"/>
-            <a:ext cx="4824536" cy="2677656"/>
+            <a:ext cx="4824536" cy="1477328"/>
           </a:xfrm>
           <a:prstGeom prst="rect">
             <a:avLst/>
@@ -2968,24 +2880,30 @@
           <a:lstStyle/>
           <a:p>
             <a:r>
-              <a:rPr lang="ru-RU" sz="2400" dirty="0">
-                <a:latin typeface="Calibri" pitchFamily="34" charset="0"/>
-              </a:rPr>
-              <a:t>Представления — это всего лишь React-компоненты, которые подписаны на событие «</a:t>
-            </a:r>
-            <a:r>
-              <a:rPr lang="ru-RU" sz="2400" dirty="0" err="1">
+              <a:rPr lang="ru-RU" b="1" dirty="0">
+                <a:latin typeface="Calibri" pitchFamily="34" charset="0"/>
+              </a:rPr>
+              <a:t>Представления</a:t>
+            </a:r>
+            <a:r>
+              <a:rPr lang="ru-RU" dirty="0">
+                <a:latin typeface="Calibri" pitchFamily="34" charset="0"/>
+              </a:rPr>
+              <a:t> — это всего лишь React-компоненты, которые подписаны на событие «</a:t>
+            </a:r>
+            <a:r>
+              <a:rPr lang="ru-RU" dirty="0" err="1">
                 <a:latin typeface="Calibri" pitchFamily="34" charset="0"/>
               </a:rPr>
               <a:t>change</a:t>
             </a:r>
             <a:r>
-              <a:rPr lang="ru-RU" sz="2400" dirty="0">
+              <a:rPr lang="ru-RU" dirty="0">
                 <a:latin typeface="Calibri" pitchFamily="34" charset="0"/>
               </a:rPr>
               <a:t>» и получают состояние приложения из Хранилищ. Далее они передают эти данные дочерним компонентам через свойства.</a:t>
             </a:r>
-            <a:endParaRPr lang="uk-UA" sz="2400" dirty="0">
+            <a:endParaRPr lang="uk-UA" dirty="0">
               <a:latin typeface="Calibri" pitchFamily="34" charset="0"/>
             </a:endParaRPr>
           </a:p>
